--- a/textFiles/Pres.pptx
+++ b/textFiles/Pres.pptx
@@ -261,7 +261,7 @@
           <a:p>
             <a:fld id="{866BCBC2-0341-45AE-96A4-1013D12C22DB}" type="datetimeFigureOut">
               <a:rPr lang="ru-RU" smtClean="0"/>
-              <a:t>09.05.2020</a:t>
+              <a:t>12.05.2020</a:t>
             </a:fld>
             <a:endParaRPr lang="ru-RU"/>
           </a:p>
@@ -459,7 +459,7 @@
           <a:p>
             <a:fld id="{866BCBC2-0341-45AE-96A4-1013D12C22DB}" type="datetimeFigureOut">
               <a:rPr lang="ru-RU" smtClean="0"/>
-              <a:t>09.05.2020</a:t>
+              <a:t>12.05.2020</a:t>
             </a:fld>
             <a:endParaRPr lang="ru-RU"/>
           </a:p>
@@ -667,7 +667,7 @@
           <a:p>
             <a:fld id="{866BCBC2-0341-45AE-96A4-1013D12C22DB}" type="datetimeFigureOut">
               <a:rPr lang="ru-RU" smtClean="0"/>
-              <a:t>09.05.2020</a:t>
+              <a:t>12.05.2020</a:t>
             </a:fld>
             <a:endParaRPr lang="ru-RU"/>
           </a:p>
@@ -865,7 +865,7 @@
           <a:p>
             <a:fld id="{866BCBC2-0341-45AE-96A4-1013D12C22DB}" type="datetimeFigureOut">
               <a:rPr lang="ru-RU" smtClean="0"/>
-              <a:t>09.05.2020</a:t>
+              <a:t>12.05.2020</a:t>
             </a:fld>
             <a:endParaRPr lang="ru-RU"/>
           </a:p>
@@ -1140,7 +1140,7 @@
           <a:p>
             <a:fld id="{866BCBC2-0341-45AE-96A4-1013D12C22DB}" type="datetimeFigureOut">
               <a:rPr lang="ru-RU" smtClean="0"/>
-              <a:t>09.05.2020</a:t>
+              <a:t>12.05.2020</a:t>
             </a:fld>
             <a:endParaRPr lang="ru-RU"/>
           </a:p>
@@ -1405,7 +1405,7 @@
           <a:p>
             <a:fld id="{866BCBC2-0341-45AE-96A4-1013D12C22DB}" type="datetimeFigureOut">
               <a:rPr lang="ru-RU" smtClean="0"/>
-              <a:t>09.05.2020</a:t>
+              <a:t>12.05.2020</a:t>
             </a:fld>
             <a:endParaRPr lang="ru-RU"/>
           </a:p>
@@ -1817,7 +1817,7 @@
           <a:p>
             <a:fld id="{866BCBC2-0341-45AE-96A4-1013D12C22DB}" type="datetimeFigureOut">
               <a:rPr lang="ru-RU" smtClean="0"/>
-              <a:t>09.05.2020</a:t>
+              <a:t>12.05.2020</a:t>
             </a:fld>
             <a:endParaRPr lang="ru-RU"/>
           </a:p>
@@ -1958,7 +1958,7 @@
           <a:p>
             <a:fld id="{866BCBC2-0341-45AE-96A4-1013D12C22DB}" type="datetimeFigureOut">
               <a:rPr lang="ru-RU" smtClean="0"/>
-              <a:t>09.05.2020</a:t>
+              <a:t>12.05.2020</a:t>
             </a:fld>
             <a:endParaRPr lang="ru-RU"/>
           </a:p>
@@ -2071,7 +2071,7 @@
           <a:p>
             <a:fld id="{866BCBC2-0341-45AE-96A4-1013D12C22DB}" type="datetimeFigureOut">
               <a:rPr lang="ru-RU" smtClean="0"/>
-              <a:t>09.05.2020</a:t>
+              <a:t>12.05.2020</a:t>
             </a:fld>
             <a:endParaRPr lang="ru-RU"/>
           </a:p>
@@ -2382,7 +2382,7 @@
           <a:p>
             <a:fld id="{866BCBC2-0341-45AE-96A4-1013D12C22DB}" type="datetimeFigureOut">
               <a:rPr lang="ru-RU" smtClean="0"/>
-              <a:t>09.05.2020</a:t>
+              <a:t>12.05.2020</a:t>
             </a:fld>
             <a:endParaRPr lang="ru-RU"/>
           </a:p>
@@ -2670,7 +2670,7 @@
           <a:p>
             <a:fld id="{866BCBC2-0341-45AE-96A4-1013D12C22DB}" type="datetimeFigureOut">
               <a:rPr lang="ru-RU" smtClean="0"/>
-              <a:t>09.05.2020</a:t>
+              <a:t>12.05.2020</a:t>
             </a:fld>
             <a:endParaRPr lang="ru-RU"/>
           </a:p>
@@ -2911,7 +2911,7 @@
           <a:p>
             <a:fld id="{866BCBC2-0341-45AE-96A4-1013D12C22DB}" type="datetimeFigureOut">
               <a:rPr lang="ru-RU" smtClean="0"/>
-              <a:t>09.05.2020</a:t>
+              <a:t>12.05.2020</a:t>
             </a:fld>
             <a:endParaRPr lang="ru-RU"/>
           </a:p>
@@ -3419,8 +3419,8 @@
         </p:nvSpPr>
         <p:spPr>
           <a:xfrm>
-            <a:off x="9216190" y="4989090"/>
-            <a:ext cx="2975810" cy="1552348"/>
+            <a:off x="9079030" y="4714770"/>
+            <a:ext cx="2975810" cy="1848711"/>
           </a:xfrm>
           <a:prstGeom prst="rect">
             <a:avLst/>
@@ -3443,7 +3443,7 @@
                 <a:ea typeface="Yu Gothic UI Semilight" panose="020B0400000000000000" pitchFamily="34" charset="-128"/>
                 <a:cs typeface="Times New Roman" panose="02020603050405020304" pitchFamily="18" charset="0"/>
               </a:rPr>
-              <a:t>Автор: </a:t>
+              <a:t>Авторы: </a:t>
             </a:r>
             <a:r>
               <a:rPr lang="ru-RU" dirty="0" err="1">
@@ -3506,20 +3506,32 @@
               <a:t>Мирас</a:t>
             </a:r>
             <a:r>
-              <a:rPr lang="kk-KZ" dirty="0">
+              <a:rPr lang="en-US" dirty="0">
                 <a:latin typeface="Yu Gothic UI Semilight" panose="020B0400000000000000" pitchFamily="34" charset="-128"/>
                 <a:ea typeface="Yu Gothic UI Semilight" panose="020B0400000000000000" pitchFamily="34" charset="-128"/>
                 <a:cs typeface="Times New Roman" panose="02020603050405020304" pitchFamily="18" charset="0"/>
               </a:rPr>
-              <a:t>                                                                                                                                                                </a:t>
-            </a:r>
-            <a:r>
-              <a:rPr lang="kk-KZ" dirty="0" err="1">
+              <a:t> </a:t>
+            </a:r>
+            <a:endParaRPr lang="ru-RU" dirty="0">
+              <a:latin typeface="Yu Gothic UI Semilight" panose="020B0400000000000000" pitchFamily="34" charset="-128"/>
+              <a:ea typeface="Yu Gothic UI Semilight" panose="020B0400000000000000" pitchFamily="34" charset="-128"/>
+              <a:cs typeface="Times New Roman" panose="02020603050405020304" pitchFamily="18" charset="0"/>
+            </a:endParaRPr>
+          </a:p>
+          <a:p>
+            <a:pPr>
+              <a:lnSpc>
+                <a:spcPct val="107000"/>
+              </a:lnSpc>
+            </a:pPr>
+            <a:r>
+              <a:rPr lang="ru-RU" dirty="0" err="1">
                 <a:latin typeface="Yu Gothic UI Semilight" panose="020B0400000000000000" pitchFamily="34" charset="-128"/>
                 <a:ea typeface="Yu Gothic UI Semilight" panose="020B0400000000000000" pitchFamily="34" charset="-128"/>
                 <a:cs typeface="Times New Roman" panose="02020603050405020304" pitchFamily="18" charset="0"/>
               </a:rPr>
-              <a:t>Жанбулатулы</a:t>
+              <a:t>Уашева</a:t>
             </a:r>
             <a:r>
               <a:rPr lang="ru-RU" dirty="0">
@@ -3527,7 +3539,47 @@
                 <a:ea typeface="Yu Gothic UI Semilight" panose="020B0400000000000000" pitchFamily="34" charset="-128"/>
                 <a:cs typeface="Times New Roman" panose="02020603050405020304" pitchFamily="18" charset="0"/>
               </a:rPr>
-              <a:t>                                                                                                                    Руководитель:</a:t>
+              <a:t> </a:t>
+            </a:r>
+            <a:r>
+              <a:rPr lang="ru-RU" dirty="0" err="1">
+                <a:latin typeface="Yu Gothic UI Semilight" panose="020B0400000000000000" pitchFamily="34" charset="-128"/>
+                <a:ea typeface="Yu Gothic UI Semilight" panose="020B0400000000000000" pitchFamily="34" charset="-128"/>
+                <a:cs typeface="Times New Roman" panose="02020603050405020304" pitchFamily="18" charset="0"/>
+              </a:rPr>
+              <a:t>Дильназ</a:t>
+            </a:r>
+            <a:endParaRPr lang="ru-RU" dirty="0">
+              <a:latin typeface="Yu Gothic UI Semilight" panose="020B0400000000000000" pitchFamily="34" charset="-128"/>
+              <a:ea typeface="Yu Gothic UI Semilight" panose="020B0400000000000000" pitchFamily="34" charset="-128"/>
+              <a:cs typeface="Times New Roman" panose="02020603050405020304" pitchFamily="18" charset="0"/>
+            </a:endParaRPr>
+          </a:p>
+          <a:p>
+            <a:pPr>
+              <a:lnSpc>
+                <a:spcPct val="107000"/>
+              </a:lnSpc>
+            </a:pPr>
+            <a:endParaRPr lang="ru-RU" dirty="0">
+              <a:latin typeface="Yu Gothic UI Semilight" panose="020B0400000000000000" pitchFamily="34" charset="-128"/>
+              <a:ea typeface="Yu Gothic UI Semilight" panose="020B0400000000000000" pitchFamily="34" charset="-128"/>
+              <a:cs typeface="Times New Roman" panose="02020603050405020304" pitchFamily="18" charset="0"/>
+            </a:endParaRPr>
+          </a:p>
+          <a:p>
+            <a:pPr>
+              <a:lnSpc>
+                <a:spcPct val="107000"/>
+              </a:lnSpc>
+            </a:pPr>
+            <a:r>
+              <a:rPr lang="ru-RU" dirty="0">
+                <a:latin typeface="Yu Gothic UI Semilight" panose="020B0400000000000000" pitchFamily="34" charset="-128"/>
+                <a:ea typeface="Yu Gothic UI Semilight" panose="020B0400000000000000" pitchFamily="34" charset="-128"/>
+                <a:cs typeface="Times New Roman" panose="02020603050405020304" pitchFamily="18" charset="0"/>
+              </a:rPr>
+              <a:t>Руководитель:</a:t>
             </a:r>
             <a:r>
               <a:rPr lang="kk-KZ" dirty="0">
@@ -4216,6 +4268,14 @@
 <file path=ppt/slides/slide3.xml><?xml version="1.0" encoding="utf-8"?>
 <p:sld xmlns:a="http://schemas.openxmlformats.org/drawingml/2006/main" xmlns:r="http://schemas.openxmlformats.org/officeDocument/2006/relationships" xmlns:p="http://schemas.openxmlformats.org/presentationml/2006/main">
   <p:cSld>
+    <p:bg>
+      <p:bgPr>
+        <a:solidFill>
+          <a:schemeClr val="bg1"/>
+        </a:solidFill>
+        <a:effectLst/>
+      </p:bgPr>
+    </p:bg>
     <p:spTree>
       <p:nvGrpSpPr>
         <p:cNvPr id="1" name=""/>
@@ -4230,6 +4290,521 @@
           <a:chExt cx="0" cy="0"/>
         </a:xfrm>
       </p:grpSpPr>
+      <p:pic>
+        <p:nvPicPr>
+          <p:cNvPr id="5" name="Рисунок 4" descr="Изображение выглядит как снимок экрана&#10;&#10;Автоматически созданное описание">
+            <a:extLst>
+              <a:ext uri="{FF2B5EF4-FFF2-40B4-BE49-F238E27FC236}">
+                <a16:creationId xmlns:a16="http://schemas.microsoft.com/office/drawing/2014/main" id="{C719B6F9-FA61-402C-9DD1-43B072470D87}"/>
+              </a:ext>
+            </a:extLst>
+          </p:cNvPr>
+          <p:cNvPicPr>
+            <a:picLocks noChangeAspect="1"/>
+          </p:cNvPicPr>
+          <p:nvPr/>
+        </p:nvPicPr>
+        <p:blipFill rotWithShape="1">
+          <a:blip r:embed="rId2">
+            <a:extLst>
+              <a:ext uri="{28A0092B-C50C-407E-A947-70E740481C1C}">
+                <a14:useLocalDpi xmlns:a14="http://schemas.microsoft.com/office/drawing/2010/main" val="0"/>
+              </a:ext>
+            </a:extLst>
+          </a:blip>
+          <a:srcRect l="32870" r="31983"/>
+          <a:stretch/>
+        </p:blipFill>
+        <p:spPr>
+          <a:xfrm>
+            <a:off x="9723125" y="4278167"/>
+            <a:ext cx="1656065" cy="2273474"/>
+          </a:xfrm>
+          <a:prstGeom prst="rect">
+            <a:avLst/>
+          </a:prstGeom>
+          <a:ln>
+            <a:solidFill>
+              <a:schemeClr val="accent4"/>
+            </a:solidFill>
+          </a:ln>
+        </p:spPr>
+      </p:pic>
+      <p:cxnSp>
+        <p:nvCxnSpPr>
+          <p:cNvPr id="16" name="Straight Connector 15">
+            <a:extLst>
+              <a:ext uri="{FF2B5EF4-FFF2-40B4-BE49-F238E27FC236}">
+                <a16:creationId xmlns:a16="http://schemas.microsoft.com/office/drawing/2014/main" id="{B817B4B8-5E01-4B44-BC25-876D56C12149}"/>
+              </a:ext>
+              <a:ext uri="{C183D7F6-B498-43B3-948B-1728B52AA6E4}">
+                <adec:decorative xmlns:adec="http://schemas.microsoft.com/office/drawing/2017/decorative" val="1"/>
+              </a:ext>
+            </a:extLst>
+          </p:cNvPr>
+          <p:cNvCxnSpPr>
+            <a:cxnSpLocks noGrp="1" noRot="1" noChangeAspect="1" noMove="1" noResize="1" noEditPoints="1" noAdjustHandles="1" noChangeArrowheads="1" noChangeShapeType="1"/>
+          </p:cNvCxnSpPr>
+          <p:nvPr>
+            <p:extLst>
+              <p:ext uri="{386F3935-93C4-4BCD-93E2-E3B085C9AB24}">
+                <p16:designElem xmlns:p16="http://schemas.microsoft.com/office/powerpoint/2015/main" val="1"/>
+              </p:ext>
+            </p:extLst>
+          </p:nvPr>
+        </p:nvCxnSpPr>
+        <p:spPr>
+          <a:xfrm>
+            <a:off x="6096000" y="0"/>
+            <a:ext cx="0" cy="3200400"/>
+          </a:xfrm>
+          <a:prstGeom prst="line">
+            <a:avLst/>
+          </a:prstGeom>
+          <a:ln w="38100">
+            <a:solidFill>
+              <a:schemeClr val="accent4"/>
+            </a:solidFill>
+          </a:ln>
+        </p:spPr>
+        <p:style>
+          <a:lnRef idx="1">
+            <a:schemeClr val="accent1"/>
+          </a:lnRef>
+          <a:fillRef idx="0">
+            <a:schemeClr val="accent1"/>
+          </a:fillRef>
+          <a:effectRef idx="0">
+            <a:schemeClr val="accent1"/>
+          </a:effectRef>
+          <a:fontRef idx="minor">
+            <a:schemeClr val="tx1"/>
+          </a:fontRef>
+        </p:style>
+      </p:cxnSp>
+      <p:pic>
+        <p:nvPicPr>
+          <p:cNvPr id="7" name="Рисунок 6" descr="Изображение выглядит как снимок экрана&#10;&#10;Автоматически созданное описание">
+            <a:extLst>
+              <a:ext uri="{FF2B5EF4-FFF2-40B4-BE49-F238E27FC236}">
+                <a16:creationId xmlns:a16="http://schemas.microsoft.com/office/drawing/2014/main" id="{64E42DEF-6775-4D93-A774-EEBC954E2523}"/>
+              </a:ext>
+            </a:extLst>
+          </p:cNvPr>
+          <p:cNvPicPr>
+            <a:picLocks noChangeAspect="1"/>
+          </p:cNvPicPr>
+          <p:nvPr/>
+        </p:nvPicPr>
+        <p:blipFill rotWithShape="1">
+          <a:blip r:embed="rId3">
+            <a:extLst>
+              <a:ext uri="{28A0092B-C50C-407E-A947-70E740481C1C}">
+                <a14:useLocalDpi xmlns:a14="http://schemas.microsoft.com/office/drawing/2010/main" val="0"/>
+              </a:ext>
+            </a:extLst>
+          </a:blip>
+          <a:srcRect l="32146" r="32123"/>
+          <a:stretch/>
+        </p:blipFill>
+        <p:spPr>
+          <a:xfrm>
+            <a:off x="984048" y="4278167"/>
+            <a:ext cx="1756655" cy="2372102"/>
+          </a:xfrm>
+          <a:prstGeom prst="rect">
+            <a:avLst/>
+          </a:prstGeom>
+          <a:ln>
+            <a:solidFill>
+              <a:schemeClr val="accent4"/>
+            </a:solidFill>
+          </a:ln>
+        </p:spPr>
+      </p:pic>
+      <p:cxnSp>
+        <p:nvCxnSpPr>
+          <p:cNvPr id="18" name="Straight Connector 17">
+            <a:extLst>
+              <a:ext uri="{FF2B5EF4-FFF2-40B4-BE49-F238E27FC236}">
+                <a16:creationId xmlns:a16="http://schemas.microsoft.com/office/drawing/2014/main" id="{D683D1A4-93E5-4A4D-B103-8223A220EB2B}"/>
+              </a:ext>
+              <a:ext uri="{C183D7F6-B498-43B3-948B-1728B52AA6E4}">
+                <adec:decorative xmlns:adec="http://schemas.microsoft.com/office/drawing/2017/decorative" val="1"/>
+              </a:ext>
+            </a:extLst>
+          </p:cNvPr>
+          <p:cNvCxnSpPr>
+            <a:cxnSpLocks noGrp="1" noRot="1" noChangeAspect="1" noMove="1" noResize="1" noEditPoints="1" noAdjustHandles="1" noChangeArrowheads="1" noChangeShapeType="1"/>
+          </p:cNvCxnSpPr>
+          <p:nvPr>
+            <p:extLst>
+              <p:ext uri="{386F3935-93C4-4BCD-93E2-E3B085C9AB24}">
+                <p16:designElem xmlns:p16="http://schemas.microsoft.com/office/powerpoint/2015/main" val="1"/>
+              </p:ext>
+            </p:extLst>
+          </p:nvPr>
+        </p:nvCxnSpPr>
+        <p:spPr>
+          <a:xfrm>
+            <a:off x="3621742" y="3200400"/>
+            <a:ext cx="0" cy="3657600"/>
+          </a:xfrm>
+          <a:prstGeom prst="line">
+            <a:avLst/>
+          </a:prstGeom>
+          <a:ln w="38100">
+            <a:solidFill>
+              <a:schemeClr val="accent4"/>
+            </a:solidFill>
+          </a:ln>
+        </p:spPr>
+        <p:style>
+          <a:lnRef idx="1">
+            <a:schemeClr val="accent1"/>
+          </a:lnRef>
+          <a:fillRef idx="0">
+            <a:schemeClr val="accent1"/>
+          </a:fillRef>
+          <a:effectRef idx="0">
+            <a:schemeClr val="accent1"/>
+          </a:effectRef>
+          <a:fontRef idx="minor">
+            <a:schemeClr val="tx1"/>
+          </a:fontRef>
+        </p:style>
+      </p:cxnSp>
+      <p:cxnSp>
+        <p:nvCxnSpPr>
+          <p:cNvPr id="20" name="Straight Connector 19">
+            <a:extLst>
+              <a:ext uri="{FF2B5EF4-FFF2-40B4-BE49-F238E27FC236}">
+                <a16:creationId xmlns:a16="http://schemas.microsoft.com/office/drawing/2014/main" id="{B0E8ABF4-C289-489E-BEFB-3077F9D9C773}"/>
+              </a:ext>
+              <a:ext uri="{C183D7F6-B498-43B3-948B-1728B52AA6E4}">
+                <adec:decorative xmlns:adec="http://schemas.microsoft.com/office/drawing/2017/decorative" val="1"/>
+              </a:ext>
+            </a:extLst>
+          </p:cNvPr>
+          <p:cNvCxnSpPr>
+            <a:cxnSpLocks noGrp="1" noRot="1" noChangeAspect="1" noMove="1" noResize="1" noEditPoints="1" noAdjustHandles="1" noChangeArrowheads="1" noChangeShapeType="1"/>
+          </p:cNvCxnSpPr>
+          <p:nvPr>
+            <p:extLst>
+              <p:ext uri="{386F3935-93C4-4BCD-93E2-E3B085C9AB24}">
+                <p16:designElem xmlns:p16="http://schemas.microsoft.com/office/powerpoint/2015/main" val="1"/>
+              </p:ext>
+            </p:extLst>
+          </p:nvPr>
+        </p:nvCxnSpPr>
+        <p:spPr>
+          <a:xfrm>
+            <a:off x="8552330" y="3200400"/>
+            <a:ext cx="0" cy="3657600"/>
+          </a:xfrm>
+          <a:prstGeom prst="line">
+            <a:avLst/>
+          </a:prstGeom>
+          <a:ln w="38100">
+            <a:solidFill>
+              <a:schemeClr val="accent4"/>
+            </a:solidFill>
+          </a:ln>
+        </p:spPr>
+        <p:style>
+          <a:lnRef idx="1">
+            <a:schemeClr val="accent1"/>
+          </a:lnRef>
+          <a:fillRef idx="0">
+            <a:schemeClr val="accent1"/>
+          </a:fillRef>
+          <a:effectRef idx="0">
+            <a:schemeClr val="accent1"/>
+          </a:effectRef>
+          <a:fontRef idx="minor">
+            <a:schemeClr val="tx1"/>
+          </a:fontRef>
+        </p:style>
+      </p:cxnSp>
+      <p:cxnSp>
+        <p:nvCxnSpPr>
+          <p:cNvPr id="22" name="Straight Connector 21">
+            <a:extLst>
+              <a:ext uri="{FF2B5EF4-FFF2-40B4-BE49-F238E27FC236}">
+                <a16:creationId xmlns:a16="http://schemas.microsoft.com/office/drawing/2014/main" id="{7989CFA0-35DD-4943-B365-488C66B9B192}"/>
+              </a:ext>
+              <a:ext uri="{C183D7F6-B498-43B3-948B-1728B52AA6E4}">
+                <adec:decorative xmlns:adec="http://schemas.microsoft.com/office/drawing/2017/decorative" val="1"/>
+              </a:ext>
+            </a:extLst>
+          </p:cNvPr>
+          <p:cNvCxnSpPr>
+            <a:cxnSpLocks noGrp="1" noRot="1" noChangeAspect="1" noMove="1" noResize="1" noEditPoints="1" noAdjustHandles="1" noChangeArrowheads="1" noChangeShapeType="1"/>
+          </p:cNvCxnSpPr>
+          <p:nvPr>
+            <p:extLst>
+              <p:ext uri="{386F3935-93C4-4BCD-93E2-E3B085C9AB24}">
+                <p16:designElem xmlns:p16="http://schemas.microsoft.com/office/powerpoint/2015/main" val="1"/>
+              </p:ext>
+            </p:extLst>
+          </p:nvPr>
+        </p:nvCxnSpPr>
+        <p:spPr>
+          <a:xfrm flipH="1" flipV="1">
+            <a:off x="3609790" y="3197412"/>
+            <a:ext cx="4956048" cy="1754"/>
+          </a:xfrm>
+          <a:prstGeom prst="line">
+            <a:avLst/>
+          </a:prstGeom>
+          <a:ln w="38100">
+            <a:solidFill>
+              <a:schemeClr val="accent4"/>
+            </a:solidFill>
+          </a:ln>
+        </p:spPr>
+        <p:style>
+          <a:lnRef idx="1">
+            <a:schemeClr val="accent1"/>
+          </a:lnRef>
+          <a:fillRef idx="0">
+            <a:schemeClr val="accent1"/>
+          </a:fillRef>
+          <a:effectRef idx="0">
+            <a:schemeClr val="accent1"/>
+          </a:effectRef>
+          <a:fontRef idx="minor">
+            <a:schemeClr val="tx1"/>
+          </a:fontRef>
+        </p:style>
+      </p:cxnSp>
+      <p:cxnSp>
+        <p:nvCxnSpPr>
+          <p:cNvPr id="24" name="Straight Connector 23">
+            <a:extLst>
+              <a:ext uri="{FF2B5EF4-FFF2-40B4-BE49-F238E27FC236}">
+                <a16:creationId xmlns:a16="http://schemas.microsoft.com/office/drawing/2014/main" id="{688AD040-1A2B-4FB4-A345-7B9F3E5ED9B0}"/>
+              </a:ext>
+              <a:ext uri="{C183D7F6-B498-43B3-948B-1728B52AA6E4}">
+                <adec:decorative xmlns:adec="http://schemas.microsoft.com/office/drawing/2017/decorative" val="1"/>
+              </a:ext>
+            </a:extLst>
+          </p:cNvPr>
+          <p:cNvCxnSpPr>
+            <a:cxnSpLocks noGrp="1" noRot="1" noChangeAspect="1" noMove="1" noResize="1" noEditPoints="1" noAdjustHandles="1" noChangeArrowheads="1" noChangeShapeType="1"/>
+          </p:cNvCxnSpPr>
+          <p:nvPr>
+            <p:extLst>
+              <p:ext uri="{386F3935-93C4-4BCD-93E2-E3B085C9AB24}">
+                <p16:designElem xmlns:p16="http://schemas.microsoft.com/office/powerpoint/2015/main" val="1"/>
+              </p:ext>
+            </p:extLst>
+          </p:nvPr>
+        </p:nvCxnSpPr>
+        <p:spPr>
+          <a:xfrm flipH="1" flipV="1">
+            <a:off x="0" y="3994133"/>
+            <a:ext cx="3602736" cy="1754"/>
+          </a:xfrm>
+          <a:prstGeom prst="line">
+            <a:avLst/>
+          </a:prstGeom>
+          <a:ln w="38100">
+            <a:solidFill>
+              <a:schemeClr val="accent4"/>
+            </a:solidFill>
+          </a:ln>
+        </p:spPr>
+        <p:style>
+          <a:lnRef idx="1">
+            <a:schemeClr val="accent1"/>
+          </a:lnRef>
+          <a:fillRef idx="0">
+            <a:schemeClr val="accent1"/>
+          </a:fillRef>
+          <a:effectRef idx="0">
+            <a:schemeClr val="accent1"/>
+          </a:effectRef>
+          <a:fontRef idx="minor">
+            <a:schemeClr val="tx1"/>
+          </a:fontRef>
+        </p:style>
+      </p:cxnSp>
+      <p:cxnSp>
+        <p:nvCxnSpPr>
+          <p:cNvPr id="26" name="Straight Connector 25">
+            <a:extLst>
+              <a:ext uri="{FF2B5EF4-FFF2-40B4-BE49-F238E27FC236}">
+                <a16:creationId xmlns:a16="http://schemas.microsoft.com/office/drawing/2014/main" id="{823B704A-724B-41D6-8F33-76939E727D2A}"/>
+              </a:ext>
+              <a:ext uri="{C183D7F6-B498-43B3-948B-1728B52AA6E4}">
+                <adec:decorative xmlns:adec="http://schemas.microsoft.com/office/drawing/2017/decorative" val="1"/>
+              </a:ext>
+            </a:extLst>
+          </p:cNvPr>
+          <p:cNvCxnSpPr>
+            <a:cxnSpLocks noGrp="1" noRot="1" noChangeAspect="1" noMove="1" noResize="1" noEditPoints="1" noAdjustHandles="1" noChangeArrowheads="1" noChangeShapeType="1"/>
+          </p:cNvCxnSpPr>
+          <p:nvPr>
+            <p:extLst>
+              <p:ext uri="{386F3935-93C4-4BCD-93E2-E3B085C9AB24}">
+                <p16:designElem xmlns:p16="http://schemas.microsoft.com/office/powerpoint/2015/main" val="1"/>
+              </p:ext>
+            </p:extLst>
+          </p:nvPr>
+        </p:nvCxnSpPr>
+        <p:spPr>
+          <a:xfrm flipH="1" flipV="1">
+            <a:off x="8534400" y="3994133"/>
+            <a:ext cx="3657600" cy="1754"/>
+          </a:xfrm>
+          <a:prstGeom prst="line">
+            <a:avLst/>
+          </a:prstGeom>
+          <a:ln w="38100">
+            <a:solidFill>
+              <a:schemeClr val="accent4"/>
+            </a:solidFill>
+          </a:ln>
+        </p:spPr>
+        <p:style>
+          <a:lnRef idx="1">
+            <a:schemeClr val="accent1"/>
+          </a:lnRef>
+          <a:fillRef idx="0">
+            <a:schemeClr val="accent1"/>
+          </a:fillRef>
+          <a:effectRef idx="0">
+            <a:schemeClr val="accent1"/>
+          </a:effectRef>
+          <a:fontRef idx="minor">
+            <a:schemeClr val="tx1"/>
+          </a:fontRef>
+        </p:style>
+      </p:cxnSp>
+      <p:pic>
+        <p:nvPicPr>
+          <p:cNvPr id="11" name="Рисунок 10" descr="Изображение выглядит как снимок экрана&#10;&#10;Автоматически созданное описание">
+            <a:extLst>
+              <a:ext uri="{FF2B5EF4-FFF2-40B4-BE49-F238E27FC236}">
+                <a16:creationId xmlns:a16="http://schemas.microsoft.com/office/drawing/2014/main" id="{BC47C8D6-562A-4F08-AD34-09D705B507D2}"/>
+              </a:ext>
+            </a:extLst>
+          </p:cNvPr>
+          <p:cNvPicPr>
+            <a:picLocks noChangeAspect="1"/>
+          </p:cNvPicPr>
+          <p:nvPr/>
+        </p:nvPicPr>
+        <p:blipFill>
+          <a:blip r:embed="rId4">
+            <a:extLst>
+              <a:ext uri="{28A0092B-C50C-407E-A947-70E740481C1C}">
+                <a14:useLocalDpi xmlns:a14="http://schemas.microsoft.com/office/drawing/2010/main" val="0"/>
+              </a:ext>
+            </a:extLst>
+          </a:blip>
+          <a:stretch>
+            <a:fillRect/>
+          </a:stretch>
+        </p:blipFill>
+        <p:spPr>
+          <a:xfrm>
+            <a:off x="4502782" y="3657601"/>
+            <a:ext cx="3300495" cy="2706406"/>
+          </a:xfrm>
+          <a:prstGeom prst="rect">
+            <a:avLst/>
+          </a:prstGeom>
+          <a:ln>
+            <a:solidFill>
+              <a:schemeClr val="tx1"/>
+            </a:solidFill>
+          </a:ln>
+        </p:spPr>
+      </p:pic>
+      <p:pic>
+        <p:nvPicPr>
+          <p:cNvPr id="9" name="Рисунок 8" descr="Изображение выглядит как снимок экрана&#10;&#10;Автоматически созданное описание">
+            <a:extLst>
+              <a:ext uri="{FF2B5EF4-FFF2-40B4-BE49-F238E27FC236}">
+                <a16:creationId xmlns:a16="http://schemas.microsoft.com/office/drawing/2014/main" id="{CBFAAA7C-EA0E-4303-9622-DE40866E5414}"/>
+              </a:ext>
+            </a:extLst>
+          </p:cNvPr>
+          <p:cNvPicPr>
+            <a:picLocks noChangeAspect="1"/>
+          </p:cNvPicPr>
+          <p:nvPr/>
+        </p:nvPicPr>
+        <p:blipFill>
+          <a:blip r:embed="rId5">
+            <a:extLst>
+              <a:ext uri="{28A0092B-C50C-407E-A947-70E740481C1C}">
+                <a14:useLocalDpi xmlns:a14="http://schemas.microsoft.com/office/drawing/2010/main" val="0"/>
+              </a:ext>
+            </a:extLst>
+          </a:blip>
+          <a:stretch>
+            <a:fillRect/>
+          </a:stretch>
+        </p:blipFill>
+        <p:spPr>
+          <a:xfrm>
+            <a:off x="7412698" y="352828"/>
+            <a:ext cx="4173070" cy="2597735"/>
+          </a:xfrm>
+          <a:prstGeom prst="rect">
+            <a:avLst/>
+          </a:prstGeom>
+          <a:ln>
+            <a:solidFill>
+              <a:schemeClr val="tx1"/>
+            </a:solidFill>
+          </a:ln>
+        </p:spPr>
+      </p:pic>
+      <p:pic>
+        <p:nvPicPr>
+          <p:cNvPr id="3" name="Рисунок 2" descr="Изображение выглядит как снимок экрана, компьютер, монитор, сидит&#10;&#10;Автоматически созданное описание">
+            <a:extLst>
+              <a:ext uri="{FF2B5EF4-FFF2-40B4-BE49-F238E27FC236}">
+                <a16:creationId xmlns:a16="http://schemas.microsoft.com/office/drawing/2014/main" id="{5412B6AA-33EE-495A-8464-D1EEC9C43D19}"/>
+              </a:ext>
+            </a:extLst>
+          </p:cNvPr>
+          <p:cNvPicPr>
+            <a:picLocks noChangeAspect="1"/>
+          </p:cNvPicPr>
+          <p:nvPr/>
+        </p:nvPicPr>
+        <p:blipFill>
+          <a:blip r:embed="rId6">
+            <a:extLst>
+              <a:ext uri="{28A0092B-C50C-407E-A947-70E740481C1C}">
+                <a14:useLocalDpi xmlns:a14="http://schemas.microsoft.com/office/drawing/2010/main" val="0"/>
+              </a:ext>
+            </a:extLst>
+          </a:blip>
+          <a:stretch>
+            <a:fillRect/>
+          </a:stretch>
+        </p:blipFill>
+        <p:spPr>
+          <a:xfrm>
+            <a:off x="604834" y="279726"/>
+            <a:ext cx="3882301" cy="2698199"/>
+          </a:xfrm>
+          <a:prstGeom prst="rect">
+            <a:avLst/>
+          </a:prstGeom>
+          <a:ln>
+            <a:solidFill>
+              <a:schemeClr val="tx1"/>
+            </a:solidFill>
+          </a:ln>
+        </p:spPr>
+      </p:pic>
     </p:spTree>
     <p:extLst>
       <p:ext uri="{BB962C8B-B14F-4D97-AF65-F5344CB8AC3E}">
